--- a/Capstone deck.pptx
+++ b/Capstone deck.pptx
@@ -120,7 +120,16 @@
       </a:defRPr>
     </a:lvl9pPr>
   </p:defaultTextStyle>
+  <p:extLst>
+    <p:ext uri="{EFAFB233-063F-42B5-8137-9DF3F51BA10A}">
+      <p15:sldGuideLst xmlns:p15="http://schemas.microsoft.com/office/powerpoint/2012/main"/>
+    </p:ext>
+  </p:extLst>
 </p:presentation>
+</file>
+
+<file path=ppt/revisionInfo.xml><?xml version="1.0" encoding="utf-8"?>
+<p1510:revInfo xmlns:a="http://schemas.openxmlformats.org/drawingml/2006/main" xmlns:r="http://schemas.openxmlformats.org/officeDocument/2006/relationships" xmlns:p1510="http://schemas.microsoft.com/office/powerpoint/2015/10/main"/>
 </file>
 
 <file path=ppt/slideLayouts/slideLayout1.xml><?xml version="1.0" encoding="utf-8"?>
@@ -309,7 +318,7 @@
           <a:p>
             <a:fld id="{4AAD347D-5ACD-4C99-B74B-A9C85AD731AF}" type="datetimeFigureOut">
               <a:rPr lang="en-US" dirty="0"/>
-              <a:t>8/2/2017</a:t>
+              <a:t>8/3/2017</a:t>
             </a:fld>
             <a:endParaRPr lang="en-US" dirty="0"/>
           </a:p>
@@ -579,7 +588,7 @@
           <a:p>
             <a:fld id="{4509A250-FF31-4206-8172-F9D3106AACB1}" type="datetimeFigureOut">
               <a:rPr lang="en-US" dirty="0"/>
-              <a:t>8/2/2017</a:t>
+              <a:t>8/3/2017</a:t>
             </a:fld>
             <a:endParaRPr lang="en-US" dirty="0"/>
           </a:p>
@@ -768,7 +777,7 @@
           <a:p>
             <a:fld id="{4509A250-FF31-4206-8172-F9D3106AACB1}" type="datetimeFigureOut">
               <a:rPr lang="en-US" dirty="0"/>
-              <a:t>8/2/2017</a:t>
+              <a:t>8/3/2017</a:t>
             </a:fld>
             <a:endParaRPr lang="en-US" dirty="0"/>
           </a:p>
@@ -1036,7 +1045,7 @@
           <a:p>
             <a:fld id="{4509A250-FF31-4206-8172-F9D3106AACB1}" type="datetimeFigureOut">
               <a:rPr lang="en-US" dirty="0"/>
-              <a:t>8/2/2017</a:t>
+              <a:t>8/3/2017</a:t>
             </a:fld>
             <a:endParaRPr lang="en-US" dirty="0"/>
           </a:p>
@@ -1372,7 +1381,7 @@
           <a:p>
             <a:fld id="{4509A250-FF31-4206-8172-F9D3106AACB1}" type="datetimeFigureOut">
               <a:rPr lang="en-US" dirty="0"/>
-              <a:t>8/2/2017</a:t>
+              <a:t>8/3/2017</a:t>
             </a:fld>
             <a:endParaRPr lang="en-US" dirty="0"/>
           </a:p>
@@ -1990,7 +1999,7 @@
           <a:p>
             <a:fld id="{4509A250-FF31-4206-8172-F9D3106AACB1}" type="datetimeFigureOut">
               <a:rPr lang="en-US" dirty="0"/>
-              <a:t>8/2/2017</a:t>
+              <a:t>8/3/2017</a:t>
             </a:fld>
             <a:endParaRPr lang="en-US" dirty="0"/>
           </a:p>
@@ -2845,7 +2854,7 @@
           <a:p>
             <a:fld id="{4509A250-FF31-4206-8172-F9D3106AACB1}" type="datetimeFigureOut">
               <a:rPr lang="en-US" dirty="0"/>
-              <a:t>8/2/2017</a:t>
+              <a:t>8/3/2017</a:t>
             </a:fld>
             <a:endParaRPr lang="en-US" dirty="0"/>
           </a:p>
@@ -3010,7 +3019,7 @@
           <a:p>
             <a:fld id="{4509A250-FF31-4206-8172-F9D3106AACB1}" type="datetimeFigureOut">
               <a:rPr lang="en-US" dirty="0"/>
-              <a:t>8/2/2017</a:t>
+              <a:t>8/3/2017</a:t>
             </a:fld>
             <a:endParaRPr lang="en-US" dirty="0"/>
           </a:p>
@@ -3185,7 +3194,7 @@
           <a:p>
             <a:fld id="{4509A250-FF31-4206-8172-F9D3106AACB1}" type="datetimeFigureOut">
               <a:rPr lang="en-US" dirty="0"/>
-              <a:t>8/2/2017</a:t>
+              <a:t>8/3/2017</a:t>
             </a:fld>
             <a:endParaRPr lang="en-US" dirty="0"/>
           </a:p>
@@ -3350,7 +3359,7 @@
           <a:p>
             <a:fld id="{4509A250-FF31-4206-8172-F9D3106AACB1}" type="datetimeFigureOut">
               <a:rPr lang="en-US" dirty="0"/>
-              <a:t>8/2/2017</a:t>
+              <a:t>8/3/2017</a:t>
             </a:fld>
             <a:endParaRPr lang="en-US" dirty="0"/>
           </a:p>
@@ -3592,7 +3601,7 @@
           <a:p>
             <a:fld id="{9796027F-7875-4030-9381-8BD8C4F21935}" type="datetimeFigureOut">
               <a:rPr lang="en-US" dirty="0"/>
-              <a:t>8/2/2017</a:t>
+              <a:t>8/3/2017</a:t>
             </a:fld>
             <a:endParaRPr lang="en-US" dirty="0"/>
           </a:p>
@@ -3879,7 +3888,7 @@
           <a:p>
             <a:fld id="{9796027F-7875-4030-9381-8BD8C4F21935}" type="datetimeFigureOut">
               <a:rPr lang="en-US" dirty="0"/>
-              <a:t>8/2/2017</a:t>
+              <a:t>8/3/2017</a:t>
             </a:fld>
             <a:endParaRPr lang="en-US" dirty="0"/>
           </a:p>
@@ -4318,7 +4327,7 @@
           <a:p>
             <a:fld id="{9796027F-7875-4030-9381-8BD8C4F21935}" type="datetimeFigureOut">
               <a:rPr lang="en-US" dirty="0"/>
-              <a:t>8/2/2017</a:t>
+              <a:t>8/3/2017</a:t>
             </a:fld>
             <a:endParaRPr lang="en-US" dirty="0"/>
           </a:p>
@@ -4431,7 +4440,7 @@
           <a:p>
             <a:fld id="{4509A250-FF31-4206-8172-F9D3106AACB1}" type="datetimeFigureOut">
               <a:rPr lang="en-US" dirty="0"/>
-              <a:t>8/2/2017</a:t>
+              <a:t>8/3/2017</a:t>
             </a:fld>
             <a:endParaRPr lang="en-US" dirty="0"/>
           </a:p>
@@ -4521,7 +4530,7 @@
           <a:p>
             <a:fld id="{4509A250-FF31-4206-8172-F9D3106AACB1}" type="datetimeFigureOut">
               <a:rPr lang="en-US" dirty="0"/>
-              <a:t>8/2/2017</a:t>
+              <a:t>8/3/2017</a:t>
             </a:fld>
             <a:endParaRPr lang="en-US" dirty="0"/>
           </a:p>
@@ -4795,7 +4804,7 @@
           <a:p>
             <a:fld id="{4509A250-FF31-4206-8172-F9D3106AACB1}" type="datetimeFigureOut">
               <a:rPr lang="en-US" dirty="0"/>
-              <a:t>8/2/2017</a:t>
+              <a:t>8/3/2017</a:t>
             </a:fld>
             <a:endParaRPr lang="en-US" dirty="0"/>
           </a:p>
@@ -5065,7 +5074,7 @@
           <a:p>
             <a:fld id="{4509A250-FF31-4206-8172-F9D3106AACB1}" type="datetimeFigureOut">
               <a:rPr lang="en-US" dirty="0"/>
-              <a:t>8/2/2017</a:t>
+              <a:t>8/3/2017</a:t>
             </a:fld>
             <a:endParaRPr lang="en-US" dirty="0"/>
           </a:p>
@@ -5489,7 +5498,7 @@
           <a:p>
             <a:fld id="{4AAD347D-5ACD-4C99-B74B-A9C85AD731AF}" type="datetimeFigureOut">
               <a:rPr lang="en-US" dirty="0"/>
-              <a:t>8/2/2017</a:t>
+              <a:t>8/3/2017</a:t>
             </a:fld>
             <a:endParaRPr lang="en-US" dirty="0"/>
           </a:p>
@@ -6183,70 +6192,35 @@
           </a:p>
         </p:txBody>
       </p:sp>
-      <p:graphicFrame>
-        <p:nvGraphicFramePr>
-          <p:cNvPr id="5" name="Content Placeholder 4">
+      <p:pic>
+        <p:nvPicPr>
+          <p:cNvPr id="7" name="Content Placeholder 6">
             <a:extLst>
               <a:ext uri="{FF2B5EF4-FFF2-40B4-BE49-F238E27FC236}">
-                <a16:creationId xmlns:a16="http://schemas.microsoft.com/office/drawing/2014/main" id="{F68E3E56-D461-400F-BAFD-3A6B867EE065}"/>
+                <a16:creationId xmlns:a16="http://schemas.microsoft.com/office/drawing/2014/main" id="{B8109C26-A1BA-4C88-B95B-866F2193D374}"/>
               </a:ext>
             </a:extLst>
           </p:cNvPr>
-          <p:cNvGraphicFramePr>
-            <a:graphicFrameLocks noGrp="1" noChangeAspect="1"/>
-          </p:cNvGraphicFramePr>
+          <p:cNvPicPr>
+            <a:picLocks noGrp="1" noChangeAspect="1"/>
+          </p:cNvPicPr>
           <p:nvPr>
             <p:ph idx="1"/>
-            <p:extLst>
-              <p:ext uri="{D42A27DB-BD31-4B8C-83A1-F6EECF244321}">
-                <p14:modId xmlns:p14="http://schemas.microsoft.com/office/powerpoint/2010/main" val="2581628889"/>
-              </p:ext>
-            </p:extLst>
-          </p:nvPr>
-        </p:nvGraphicFramePr>
-        <p:xfrm>
-          <a:off x="1775792" y="1541910"/>
-          <a:ext cx="7341704" cy="5316090"/>
-        </p:xfrm>
-        <a:graphic>
-          <a:graphicData uri="http://schemas.openxmlformats.org/presentationml/2006/ole">
-            <mc:AlternateContent xmlns:mc="http://schemas.openxmlformats.org/markup-compatibility/2006">
-              <mc:Choice xmlns:v="urn:schemas-microsoft-com:vml" Requires="v">
-                <p:oleObj spid="_x0000_s2053" name="Acrobat Document" r:id="rId3" imgW="5829298" imgH="7543753" progId="AcroExch.Document.DC">
-                  <p:embed/>
-                </p:oleObj>
-              </mc:Choice>
-              <mc:Fallback>
-                <p:oleObj name="Acrobat Document" r:id="rId3" imgW="5829298" imgH="7543753" progId="AcroExch.Document.DC">
-                  <p:embed/>
-                  <p:pic>
-                    <p:nvPicPr>
-                      <p:cNvPr id="0" name=""/>
-                      <p:cNvPicPr/>
-                      <p:nvPr/>
-                    </p:nvPicPr>
-                    <p:blipFill>
-                      <a:blip r:embed="rId4"/>
-                      <a:stretch>
-                        <a:fillRect/>
-                      </a:stretch>
-                    </p:blipFill>
-                    <p:spPr>
-                      <a:xfrm>
-                        <a:off x="1775792" y="1541910"/>
-                        <a:ext cx="7341704" cy="5316090"/>
-                      </a:xfrm>
-                      <a:prstGeom prst="rect">
-                        <a:avLst/>
-                      </a:prstGeom>
-                    </p:spPr>
-                  </p:pic>
-                </p:oleObj>
-              </mc:Fallback>
-            </mc:AlternateContent>
-          </a:graphicData>
-        </a:graphic>
-      </p:graphicFrame>
+          </p:nvPr>
+        </p:nvPicPr>
+        <p:blipFill>
+          <a:blip r:embed="rId2"/>
+          <a:stretch>
+            <a:fillRect/>
+          </a:stretch>
+        </p:blipFill>
+        <p:spPr>
+          <a:xfrm>
+            <a:off x="3352800" y="1452627"/>
+            <a:ext cx="4346713" cy="5272706"/>
+          </a:xfrm>
+        </p:spPr>
+      </p:pic>
     </p:spTree>
     <p:extLst>
       <p:ext uri="{BB962C8B-B14F-4D97-AF65-F5344CB8AC3E}">
@@ -6345,70 +6319,35 @@
           </a:p>
         </p:txBody>
       </p:sp>
-      <p:graphicFrame>
-        <p:nvGraphicFramePr>
-          <p:cNvPr id="6" name="Content Placeholder 5">
+      <p:pic>
+        <p:nvPicPr>
+          <p:cNvPr id="7" name="Content Placeholder 6">
             <a:extLst>
               <a:ext uri="{FF2B5EF4-FFF2-40B4-BE49-F238E27FC236}">
-                <a16:creationId xmlns:a16="http://schemas.microsoft.com/office/drawing/2014/main" id="{42DE39F1-934D-4181-B293-FD2FB08B54EE}"/>
+                <a16:creationId xmlns:a16="http://schemas.microsoft.com/office/drawing/2014/main" id="{A899E683-4825-48B9-8243-5B8A54BB1F19}"/>
               </a:ext>
             </a:extLst>
           </p:cNvPr>
-          <p:cNvGraphicFramePr>
-            <a:graphicFrameLocks noGrp="1" noChangeAspect="1"/>
-          </p:cNvGraphicFramePr>
+          <p:cNvPicPr>
+            <a:picLocks noGrp="1" noChangeAspect="1"/>
+          </p:cNvPicPr>
           <p:nvPr>
             <p:ph idx="1"/>
-            <p:extLst>
-              <p:ext uri="{D42A27DB-BD31-4B8C-83A1-F6EECF244321}">
-                <p14:modId xmlns:p14="http://schemas.microsoft.com/office/powerpoint/2010/main" val="3846884235"/>
-              </p:ext>
-            </p:extLst>
-          </p:nvPr>
-        </p:nvGraphicFramePr>
-        <p:xfrm>
-          <a:off x="1802296" y="1510748"/>
-          <a:ext cx="7752522" cy="5347252"/>
-        </p:xfrm>
-        <a:graphic>
-          <a:graphicData uri="http://schemas.openxmlformats.org/presentationml/2006/ole">
-            <mc:AlternateContent xmlns:mc="http://schemas.openxmlformats.org/markup-compatibility/2006">
-              <mc:Choice xmlns:v="urn:schemas-microsoft-com:vml" Requires="v">
-                <p:oleObj spid="_x0000_s3077" name="Acrobat Document" r:id="rId3" imgW="5829298" imgH="7543753" progId="AcroExch.Document.DC">
-                  <p:embed/>
-                </p:oleObj>
-              </mc:Choice>
-              <mc:Fallback>
-                <p:oleObj name="Acrobat Document" r:id="rId3" imgW="5829298" imgH="7543753" progId="AcroExch.Document.DC">
-                  <p:embed/>
-                  <p:pic>
-                    <p:nvPicPr>
-                      <p:cNvPr id="0" name=""/>
-                      <p:cNvPicPr/>
-                      <p:nvPr/>
-                    </p:nvPicPr>
-                    <p:blipFill>
-                      <a:blip r:embed="rId4"/>
-                      <a:stretch>
-                        <a:fillRect/>
-                      </a:stretch>
-                    </p:blipFill>
-                    <p:spPr>
-                      <a:xfrm>
-                        <a:off x="1802296" y="1510748"/>
-                        <a:ext cx="7752522" cy="5347252"/>
-                      </a:xfrm>
-                      <a:prstGeom prst="rect">
-                        <a:avLst/>
-                      </a:prstGeom>
-                    </p:spPr>
-                  </p:pic>
-                </p:oleObj>
-              </mc:Fallback>
-            </mc:AlternateContent>
-          </a:graphicData>
-        </a:graphic>
-      </p:graphicFrame>
+          </p:nvPr>
+        </p:nvPicPr>
+        <p:blipFill>
+          <a:blip r:embed="rId2"/>
+          <a:stretch>
+            <a:fillRect/>
+          </a:stretch>
+        </p:blipFill>
+        <p:spPr>
+          <a:xfrm>
+            <a:off x="3352800" y="1452627"/>
+            <a:ext cx="4320209" cy="5240556"/>
+          </a:xfrm>
+        </p:spPr>
+      </p:pic>
     </p:spTree>
     <p:extLst>
       <p:ext uri="{BB962C8B-B14F-4D97-AF65-F5344CB8AC3E}">
@@ -6507,70 +6446,35 @@
           </a:p>
         </p:txBody>
       </p:sp>
-      <p:graphicFrame>
-        <p:nvGraphicFramePr>
-          <p:cNvPr id="5" name="Content Placeholder 4">
+      <p:pic>
+        <p:nvPicPr>
+          <p:cNvPr id="7" name="Content Placeholder 6">
             <a:extLst>
               <a:ext uri="{FF2B5EF4-FFF2-40B4-BE49-F238E27FC236}">
-                <a16:creationId xmlns:a16="http://schemas.microsoft.com/office/drawing/2014/main" id="{3C902EC1-2F8D-41F3-A9AB-85771C153852}"/>
+                <a16:creationId xmlns:a16="http://schemas.microsoft.com/office/drawing/2014/main" id="{78891A21-84E8-4AF2-A020-F0150A4DD8DF}"/>
               </a:ext>
             </a:extLst>
           </p:cNvPr>
-          <p:cNvGraphicFramePr>
-            <a:graphicFrameLocks noGrp="1" noChangeAspect="1"/>
-          </p:cNvGraphicFramePr>
+          <p:cNvPicPr>
+            <a:picLocks noGrp="1" noChangeAspect="1"/>
+          </p:cNvPicPr>
           <p:nvPr>
             <p:ph idx="1"/>
-            <p:extLst>
-              <p:ext uri="{D42A27DB-BD31-4B8C-83A1-F6EECF244321}">
-                <p14:modId xmlns:p14="http://schemas.microsoft.com/office/powerpoint/2010/main" val="3120778599"/>
-              </p:ext>
-            </p:extLst>
-          </p:nvPr>
-        </p:nvGraphicFramePr>
-        <p:xfrm>
-          <a:off x="1736036" y="1541909"/>
-          <a:ext cx="6917634" cy="5057674"/>
-        </p:xfrm>
-        <a:graphic>
-          <a:graphicData uri="http://schemas.openxmlformats.org/presentationml/2006/ole">
-            <mc:AlternateContent xmlns:mc="http://schemas.openxmlformats.org/markup-compatibility/2006">
-              <mc:Choice xmlns:v="urn:schemas-microsoft-com:vml" Requires="v">
-                <p:oleObj spid="_x0000_s4102" name="Acrobat Document" r:id="rId3" imgW="5829298" imgH="7543753" progId="AcroExch.Document.DC">
-                  <p:embed/>
-                </p:oleObj>
-              </mc:Choice>
-              <mc:Fallback>
-                <p:oleObj name="Acrobat Document" r:id="rId3" imgW="5829298" imgH="7543753" progId="AcroExch.Document.DC">
-                  <p:embed/>
-                  <p:pic>
-                    <p:nvPicPr>
-                      <p:cNvPr id="0" name=""/>
-                      <p:cNvPicPr/>
-                      <p:nvPr/>
-                    </p:nvPicPr>
-                    <p:blipFill>
-                      <a:blip r:embed="rId4"/>
-                      <a:stretch>
-                        <a:fillRect/>
-                      </a:stretch>
-                    </p:blipFill>
-                    <p:spPr>
-                      <a:xfrm>
-                        <a:off x="1736036" y="1541909"/>
-                        <a:ext cx="6917634" cy="5057674"/>
-                      </a:xfrm>
-                      <a:prstGeom prst="rect">
-                        <a:avLst/>
-                      </a:prstGeom>
-                    </p:spPr>
-                  </p:pic>
-                </p:oleObj>
-              </mc:Fallback>
-            </mc:AlternateContent>
-          </a:graphicData>
-        </a:graphic>
-      </p:graphicFrame>
+          </p:nvPr>
+        </p:nvPicPr>
+        <p:blipFill>
+          <a:blip r:embed="rId2"/>
+          <a:stretch>
+            <a:fillRect/>
+          </a:stretch>
+        </p:blipFill>
+        <p:spPr>
+          <a:xfrm>
+            <a:off x="3392557" y="1500853"/>
+            <a:ext cx="4306956" cy="5224479"/>
+          </a:xfrm>
+        </p:spPr>
+      </p:pic>
     </p:spTree>
     <p:extLst>
       <p:ext uri="{BB962C8B-B14F-4D97-AF65-F5344CB8AC3E}">
@@ -6669,70 +6573,35 @@
           </a:p>
         </p:txBody>
       </p:sp>
-      <p:graphicFrame>
-        <p:nvGraphicFramePr>
-          <p:cNvPr id="6" name="Content Placeholder 5">
+      <p:pic>
+        <p:nvPicPr>
+          <p:cNvPr id="7" name="Content Placeholder 6">
             <a:extLst>
               <a:ext uri="{FF2B5EF4-FFF2-40B4-BE49-F238E27FC236}">
-                <a16:creationId xmlns:a16="http://schemas.microsoft.com/office/drawing/2014/main" id="{DDEDCEC5-D2BC-49D1-BFE5-618FB2063DFD}"/>
+                <a16:creationId xmlns:a16="http://schemas.microsoft.com/office/drawing/2014/main" id="{490E72C7-F9B9-4C8C-A42E-C03DD58E6CB6}"/>
               </a:ext>
             </a:extLst>
           </p:cNvPr>
-          <p:cNvGraphicFramePr>
-            <a:graphicFrameLocks noGrp="1" noChangeAspect="1"/>
-          </p:cNvGraphicFramePr>
+          <p:cNvPicPr>
+            <a:picLocks noGrp="1" noChangeAspect="1"/>
+          </p:cNvPicPr>
           <p:nvPr>
             <p:ph idx="1"/>
-            <p:extLst>
-              <p:ext uri="{D42A27DB-BD31-4B8C-83A1-F6EECF244321}">
-                <p14:modId xmlns:p14="http://schemas.microsoft.com/office/powerpoint/2010/main" val="2367587900"/>
-              </p:ext>
-            </p:extLst>
-          </p:nvPr>
-        </p:nvGraphicFramePr>
-        <p:xfrm>
-          <a:off x="1974575" y="1298712"/>
-          <a:ext cx="7222434" cy="5559287"/>
-        </p:xfrm>
-        <a:graphic>
-          <a:graphicData uri="http://schemas.openxmlformats.org/presentationml/2006/ole">
-            <mc:AlternateContent xmlns:mc="http://schemas.openxmlformats.org/markup-compatibility/2006">
-              <mc:Choice xmlns:v="urn:schemas-microsoft-com:vml" Requires="v">
-                <p:oleObj spid="_x0000_s5125" name="Acrobat Document" r:id="rId3" imgW="5829298" imgH="7543753" progId="AcroExch.Document.DC">
-                  <p:embed/>
-                </p:oleObj>
-              </mc:Choice>
-              <mc:Fallback>
-                <p:oleObj name="Acrobat Document" r:id="rId3" imgW="5829298" imgH="7543753" progId="AcroExch.Document.DC">
-                  <p:embed/>
-                  <p:pic>
-                    <p:nvPicPr>
-                      <p:cNvPr id="0" name=""/>
-                      <p:cNvPicPr/>
-                      <p:nvPr/>
-                    </p:nvPicPr>
-                    <p:blipFill>
-                      <a:blip r:embed="rId4"/>
-                      <a:stretch>
-                        <a:fillRect/>
-                      </a:stretch>
-                    </p:blipFill>
-                    <p:spPr>
-                      <a:xfrm>
-                        <a:off x="1974575" y="1298712"/>
-                        <a:ext cx="7222434" cy="5559287"/>
-                      </a:xfrm>
-                      <a:prstGeom prst="rect">
-                        <a:avLst/>
-                      </a:prstGeom>
-                    </p:spPr>
-                  </p:pic>
-                </p:oleObj>
-              </mc:Fallback>
-            </mc:AlternateContent>
-          </a:graphicData>
-        </a:graphic>
-      </p:graphicFrame>
+          </p:nvPr>
+        </p:nvPicPr>
+        <p:blipFill>
+          <a:blip r:embed="rId2"/>
+          <a:stretch>
+            <a:fillRect/>
+          </a:stretch>
+        </p:blipFill>
+        <p:spPr>
+          <a:xfrm>
+            <a:off x="3154017" y="1211497"/>
+            <a:ext cx="4532244" cy="5497761"/>
+          </a:xfrm>
+        </p:spPr>
+      </p:pic>
     </p:spTree>
     <p:extLst>
       <p:ext uri="{BB962C8B-B14F-4D97-AF65-F5344CB8AC3E}">
@@ -6959,49 +6828,6 @@
           </a:p>
         </p:txBody>
       </p:sp>
-      <p:pic>
-        <p:nvPicPr>
-          <p:cNvPr id="4" name="Content Placeholder 3" descr="C:\Users\Owner\AppData\Local\Microsoft\Windows\INetCache\Content.Word\Lift chart for bank model.png">
-            <a:extLst>
-              <a:ext uri="{FF2B5EF4-FFF2-40B4-BE49-F238E27FC236}">
-                <a16:creationId xmlns:a16="http://schemas.microsoft.com/office/drawing/2014/main" id="{8DC91676-794A-45B7-94C4-9E58CE655502}"/>
-              </a:ext>
-            </a:extLst>
-          </p:cNvPr>
-          <p:cNvPicPr>
-            <a:picLocks noGrp="1"/>
-          </p:cNvPicPr>
-          <p:nvPr>
-            <p:ph idx="1"/>
-          </p:nvPr>
-        </p:nvPicPr>
-        <p:blipFill>
-          <a:blip r:embed="rId2">
-            <a:extLst>
-              <a:ext uri="{28A0092B-C50C-407E-A947-70E740481C1C}">
-                <a14:useLocalDpi xmlns:a14="http://schemas.microsoft.com/office/drawing/2010/main" val="0"/>
-              </a:ext>
-            </a:extLst>
-          </a:blip>
-          <a:srcRect/>
-          <a:stretch>
-            <a:fillRect/>
-          </a:stretch>
-        </p:blipFill>
-        <p:spPr bwMode="auto">
-          <a:xfrm>
-            <a:off x="4828932" y="1322363"/>
-            <a:ext cx="6284545" cy="5359791"/>
-          </a:xfrm>
-          <a:prstGeom prst="rect">
-            <a:avLst/>
-          </a:prstGeom>
-          <a:noFill/>
-          <a:ln>
-            <a:noFill/>
-          </a:ln>
-        </p:spPr>
-      </p:pic>
       <p:sp>
         <p:nvSpPr>
           <p:cNvPr id="5" name="TextBox 4">
@@ -7016,8 +6842,8 @@
         </p:nvSpPr>
         <p:spPr>
           <a:xfrm>
-            <a:off x="506437" y="1463040"/>
-            <a:ext cx="4023360" cy="707886"/>
+            <a:off x="646110" y="1145362"/>
+            <a:ext cx="8829193" cy="400110"/>
           </a:xfrm>
           <a:prstGeom prst="rect">
             <a:avLst/>
@@ -7037,6 +6863,35 @@
           </a:p>
         </p:txBody>
       </p:sp>
+      <p:pic>
+        <p:nvPicPr>
+          <p:cNvPr id="8" name="Content Placeholder 7">
+            <a:extLst>
+              <a:ext uri="{FF2B5EF4-FFF2-40B4-BE49-F238E27FC236}">
+                <a16:creationId xmlns:a16="http://schemas.microsoft.com/office/drawing/2014/main" id="{958EEE4D-326D-4396-82EB-62D7F3DEFE90}"/>
+              </a:ext>
+            </a:extLst>
+          </p:cNvPr>
+          <p:cNvPicPr>
+            <a:picLocks noGrp="1" noChangeAspect="1"/>
+          </p:cNvPicPr>
+          <p:nvPr>
+            <p:ph idx="1"/>
+          </p:nvPr>
+        </p:nvPicPr>
+        <p:blipFill>
+          <a:blip r:embed="rId2"/>
+          <a:stretch>
+            <a:fillRect/>
+          </a:stretch>
+        </p:blipFill>
+        <p:spPr>
+          <a:xfrm>
+            <a:off x="2968487" y="1645625"/>
+            <a:ext cx="5234609" cy="5026887"/>
+          </a:xfrm>
+        </p:spPr>
+      </p:pic>
     </p:spTree>
     <p:extLst>
       <p:ext uri="{BB962C8B-B14F-4D97-AF65-F5344CB8AC3E}">
@@ -7164,7 +7019,7 @@
             </a:pPr>
             <a:r>
               <a:rPr lang="en-US" dirty="0"/>
-              <a:t>Repeat this study with a larger number of banks, since the data set in this study was rather small due to difficulties in obtaining data</a:t>
+              <a:t>Repeat this study with a larger number of banks, because the data set in this study was rather small due to difficulties in obtaining data</a:t>
             </a:r>
           </a:p>
           <a:p>
@@ -7938,7 +7793,37 @@
             </a:pPr>
             <a:r>
               <a:rPr lang="en-US" sz="2600" dirty="0"/>
-              <a:t>For the same reason, we have adjusted many other quantities in our data by equity capital, including amounts past due, amounts of restructured loans, and amounts of credit card loans</a:t>
+              <a:t>For the same reason, we have adjusted many other quantities in our data by equity capital, including</a:t>
+            </a:r>
+          </a:p>
+          <a:p>
+            <a:pPr lvl="1">
+              <a:buFont typeface="Wingdings" panose="05000000000000000000" pitchFamily="2" charset="2"/>
+              <a:buChar char="ü"/>
+            </a:pPr>
+            <a:r>
+              <a:rPr lang="en-US" sz="2600" dirty="0"/>
+              <a:t>Amounts past due</a:t>
+            </a:r>
+          </a:p>
+          <a:p>
+            <a:pPr lvl="1">
+              <a:buFont typeface="Wingdings" panose="05000000000000000000" pitchFamily="2" charset="2"/>
+              <a:buChar char="ü"/>
+            </a:pPr>
+            <a:r>
+              <a:rPr lang="en-US" sz="2600" dirty="0"/>
+              <a:t>Amounts of restructured loans</a:t>
+            </a:r>
+          </a:p>
+          <a:p>
+            <a:pPr lvl="1">
+              <a:buFont typeface="Wingdings" panose="05000000000000000000" pitchFamily="2" charset="2"/>
+              <a:buChar char="ü"/>
+            </a:pPr>
+            <a:r>
+              <a:rPr lang="en-US" sz="2600" dirty="0"/>
+              <a:t>Amounts of credit card loans</a:t>
             </a:r>
           </a:p>
         </p:txBody>
@@ -8311,70 +8196,6 @@
           </a:p>
         </p:txBody>
       </p:sp>
-      <p:graphicFrame>
-        <p:nvGraphicFramePr>
-          <p:cNvPr id="15" name="Content Placeholder 14">
-            <a:extLst>
-              <a:ext uri="{FF2B5EF4-FFF2-40B4-BE49-F238E27FC236}">
-                <a16:creationId xmlns:a16="http://schemas.microsoft.com/office/drawing/2014/main" id="{836E47BF-BFAC-4C79-BEC3-3A3983EF6389}"/>
-              </a:ext>
-            </a:extLst>
-          </p:cNvPr>
-          <p:cNvGraphicFramePr>
-            <a:graphicFrameLocks noGrp="1" noChangeAspect="1"/>
-          </p:cNvGraphicFramePr>
-          <p:nvPr>
-            <p:ph idx="1"/>
-            <p:extLst>
-              <p:ext uri="{D42A27DB-BD31-4B8C-83A1-F6EECF244321}">
-                <p14:modId xmlns:p14="http://schemas.microsoft.com/office/powerpoint/2010/main" val="2782109708"/>
-              </p:ext>
-            </p:extLst>
-          </p:nvPr>
-        </p:nvGraphicFramePr>
-        <p:xfrm>
-          <a:off x="2201081" y="1528656"/>
-          <a:ext cx="6294782" cy="5210075"/>
-        </p:xfrm>
-        <a:graphic>
-          <a:graphicData uri="http://schemas.openxmlformats.org/presentationml/2006/ole">
-            <mc:AlternateContent xmlns:mc="http://schemas.openxmlformats.org/markup-compatibility/2006">
-              <mc:Choice xmlns:v="urn:schemas-microsoft-com:vml" Requires="v">
-                <p:oleObj spid="_x0000_s1030" name="Acrobat Document" r:id="rId3" imgW="5829298" imgH="7543753" progId="AcroExch.Document.DC">
-                  <p:embed/>
-                </p:oleObj>
-              </mc:Choice>
-              <mc:Fallback>
-                <p:oleObj name="Acrobat Document" r:id="rId3" imgW="5829298" imgH="7543753" progId="AcroExch.Document.DC">
-                  <p:embed/>
-                  <p:pic>
-                    <p:nvPicPr>
-                      <p:cNvPr id="0" name=""/>
-                      <p:cNvPicPr/>
-                      <p:nvPr/>
-                    </p:nvPicPr>
-                    <p:blipFill>
-                      <a:blip r:embed="rId4"/>
-                      <a:stretch>
-                        <a:fillRect/>
-                      </a:stretch>
-                    </p:blipFill>
-                    <p:spPr>
-                      <a:xfrm>
-                        <a:off x="2201081" y="1528656"/>
-                        <a:ext cx="6294782" cy="5210075"/>
-                      </a:xfrm>
-                      <a:prstGeom prst="rect">
-                        <a:avLst/>
-                      </a:prstGeom>
-                    </p:spPr>
-                  </p:pic>
-                </p:oleObj>
-              </mc:Fallback>
-            </mc:AlternateContent>
-          </a:graphicData>
-        </a:graphic>
-      </p:graphicFrame>
       <p:sp>
         <p:nvSpPr>
           <p:cNvPr id="17" name="TextBox 16">
@@ -8410,6 +8231,35 @@
           </a:p>
         </p:txBody>
       </p:sp>
+      <p:pic>
+        <p:nvPicPr>
+          <p:cNvPr id="6" name="Content Placeholder 5">
+            <a:extLst>
+              <a:ext uri="{FF2B5EF4-FFF2-40B4-BE49-F238E27FC236}">
+                <a16:creationId xmlns:a16="http://schemas.microsoft.com/office/drawing/2014/main" id="{434C4EC1-D2BD-4DBB-9249-2733E5190EBA}"/>
+              </a:ext>
+            </a:extLst>
+          </p:cNvPr>
+          <p:cNvPicPr>
+            <a:picLocks noGrp="1" noChangeAspect="1"/>
+          </p:cNvPicPr>
+          <p:nvPr>
+            <p:ph idx="1"/>
+          </p:nvPr>
+        </p:nvPicPr>
+        <p:blipFill>
+          <a:blip r:embed="rId2"/>
+          <a:stretch>
+            <a:fillRect/>
+          </a:stretch>
+        </p:blipFill>
+        <p:spPr>
+          <a:xfrm>
+            <a:off x="3432518" y="1478758"/>
+            <a:ext cx="4346916" cy="5272952"/>
+          </a:xfrm>
+        </p:spPr>
+      </p:pic>
     </p:spTree>
     <p:extLst>
       <p:ext uri="{BB962C8B-B14F-4D97-AF65-F5344CB8AC3E}">
